--- a/misc/zotero_rev_lit.pptx
+++ b/misc/zotero_rev_lit.pptx
@@ -254,9 +254,9 @@
           <a:p>
             <a:fld id="{8BF0BAE9-8C66-4376-AC32-D03E2F3D111C}" type="datetimeFigureOut">
               <a:rPr lang="fr-FR" smtClean="0"/>
-              <a:t>27/10/2022</a:t>
+              <a:t>09/11/2022</a:t>
             </a:fld>
-            <a:endParaRPr lang="fr-FR"/>
+            <a:endParaRPr lang="fr-FR" dirty="0"/>
           </a:p>
         </p:txBody>
       </p:sp>
@@ -275,7 +275,7 @@
           <a:bodyPr/>
           <a:lstStyle/>
           <a:p>
-            <a:endParaRPr lang="fr-FR"/>
+            <a:endParaRPr lang="fr-FR" dirty="0"/>
           </a:p>
         </p:txBody>
       </p:sp>
@@ -298,7 +298,7 @@
               <a:rPr lang="fr-FR" smtClean="0"/>
               <a:t>‹N°›</a:t>
             </a:fld>
-            <a:endParaRPr lang="fr-FR"/>
+            <a:endParaRPr lang="fr-FR" dirty="0"/>
           </a:p>
         </p:txBody>
       </p:sp>
@@ -424,9 +424,9 @@
           <a:p>
             <a:fld id="{8BF0BAE9-8C66-4376-AC32-D03E2F3D111C}" type="datetimeFigureOut">
               <a:rPr lang="fr-FR" smtClean="0"/>
-              <a:t>27/10/2022</a:t>
+              <a:t>09/11/2022</a:t>
             </a:fld>
-            <a:endParaRPr lang="fr-FR"/>
+            <a:endParaRPr lang="fr-FR" dirty="0"/>
           </a:p>
         </p:txBody>
       </p:sp>
@@ -445,7 +445,7 @@
           <a:bodyPr/>
           <a:lstStyle/>
           <a:p>
-            <a:endParaRPr lang="fr-FR"/>
+            <a:endParaRPr lang="fr-FR" dirty="0"/>
           </a:p>
         </p:txBody>
       </p:sp>
@@ -468,7 +468,7 @@
               <a:rPr lang="fr-FR" smtClean="0"/>
               <a:t>‹N°›</a:t>
             </a:fld>
-            <a:endParaRPr lang="fr-FR"/>
+            <a:endParaRPr lang="fr-FR" dirty="0"/>
           </a:p>
         </p:txBody>
       </p:sp>
@@ -604,9 +604,9 @@
           <a:p>
             <a:fld id="{8BF0BAE9-8C66-4376-AC32-D03E2F3D111C}" type="datetimeFigureOut">
               <a:rPr lang="fr-FR" smtClean="0"/>
-              <a:t>27/10/2022</a:t>
+              <a:t>09/11/2022</a:t>
             </a:fld>
-            <a:endParaRPr lang="fr-FR"/>
+            <a:endParaRPr lang="fr-FR" dirty="0"/>
           </a:p>
         </p:txBody>
       </p:sp>
@@ -625,7 +625,7 @@
           <a:bodyPr/>
           <a:lstStyle/>
           <a:p>
-            <a:endParaRPr lang="fr-FR"/>
+            <a:endParaRPr lang="fr-FR" dirty="0"/>
           </a:p>
         </p:txBody>
       </p:sp>
@@ -648,7 +648,7 @@
               <a:rPr lang="fr-FR" smtClean="0"/>
               <a:t>‹N°›</a:t>
             </a:fld>
-            <a:endParaRPr lang="fr-FR"/>
+            <a:endParaRPr lang="fr-FR" dirty="0"/>
           </a:p>
         </p:txBody>
       </p:sp>
@@ -774,9 +774,9 @@
           <a:p>
             <a:fld id="{8BF0BAE9-8C66-4376-AC32-D03E2F3D111C}" type="datetimeFigureOut">
               <a:rPr lang="fr-FR" smtClean="0"/>
-              <a:t>27/10/2022</a:t>
+              <a:t>09/11/2022</a:t>
             </a:fld>
-            <a:endParaRPr lang="fr-FR"/>
+            <a:endParaRPr lang="fr-FR" dirty="0"/>
           </a:p>
         </p:txBody>
       </p:sp>
@@ -795,7 +795,7 @@
           <a:bodyPr/>
           <a:lstStyle/>
           <a:p>
-            <a:endParaRPr lang="fr-FR"/>
+            <a:endParaRPr lang="fr-FR" dirty="0"/>
           </a:p>
         </p:txBody>
       </p:sp>
@@ -818,7 +818,7 @@
               <a:rPr lang="fr-FR" smtClean="0"/>
               <a:t>‹N°›</a:t>
             </a:fld>
-            <a:endParaRPr lang="fr-FR"/>
+            <a:endParaRPr lang="fr-FR" dirty="0"/>
           </a:p>
         </p:txBody>
       </p:sp>
@@ -1018,9 +1018,9 @@
           <a:p>
             <a:fld id="{8BF0BAE9-8C66-4376-AC32-D03E2F3D111C}" type="datetimeFigureOut">
               <a:rPr lang="fr-FR" smtClean="0"/>
-              <a:t>27/10/2022</a:t>
+              <a:t>09/11/2022</a:t>
             </a:fld>
-            <a:endParaRPr lang="fr-FR"/>
+            <a:endParaRPr lang="fr-FR" dirty="0"/>
           </a:p>
         </p:txBody>
       </p:sp>
@@ -1039,7 +1039,7 @@
           <a:bodyPr/>
           <a:lstStyle/>
           <a:p>
-            <a:endParaRPr lang="fr-FR"/>
+            <a:endParaRPr lang="fr-FR" dirty="0"/>
           </a:p>
         </p:txBody>
       </p:sp>
@@ -1062,7 +1062,7 @@
               <a:rPr lang="fr-FR" smtClean="0"/>
               <a:t>‹N°›</a:t>
             </a:fld>
-            <a:endParaRPr lang="fr-FR"/>
+            <a:endParaRPr lang="fr-FR" dirty="0"/>
           </a:p>
         </p:txBody>
       </p:sp>
@@ -1250,9 +1250,9 @@
           <a:p>
             <a:fld id="{8BF0BAE9-8C66-4376-AC32-D03E2F3D111C}" type="datetimeFigureOut">
               <a:rPr lang="fr-FR" smtClean="0"/>
-              <a:t>27/10/2022</a:t>
+              <a:t>09/11/2022</a:t>
             </a:fld>
-            <a:endParaRPr lang="fr-FR"/>
+            <a:endParaRPr lang="fr-FR" dirty="0"/>
           </a:p>
         </p:txBody>
       </p:sp>
@@ -1271,7 +1271,7 @@
           <a:bodyPr/>
           <a:lstStyle/>
           <a:p>
-            <a:endParaRPr lang="fr-FR"/>
+            <a:endParaRPr lang="fr-FR" dirty="0"/>
           </a:p>
         </p:txBody>
       </p:sp>
@@ -1294,7 +1294,7 @@
               <a:rPr lang="fr-FR" smtClean="0"/>
               <a:t>‹N°›</a:t>
             </a:fld>
-            <a:endParaRPr lang="fr-FR"/>
+            <a:endParaRPr lang="fr-FR" dirty="0"/>
           </a:p>
         </p:txBody>
       </p:sp>
@@ -1617,9 +1617,9 @@
           <a:p>
             <a:fld id="{8BF0BAE9-8C66-4376-AC32-D03E2F3D111C}" type="datetimeFigureOut">
               <a:rPr lang="fr-FR" smtClean="0"/>
-              <a:t>27/10/2022</a:t>
+              <a:t>09/11/2022</a:t>
             </a:fld>
-            <a:endParaRPr lang="fr-FR"/>
+            <a:endParaRPr lang="fr-FR" dirty="0"/>
           </a:p>
         </p:txBody>
       </p:sp>
@@ -1638,7 +1638,7 @@
           <a:bodyPr/>
           <a:lstStyle/>
           <a:p>
-            <a:endParaRPr lang="fr-FR"/>
+            <a:endParaRPr lang="fr-FR" dirty="0"/>
           </a:p>
         </p:txBody>
       </p:sp>
@@ -1661,7 +1661,7 @@
               <a:rPr lang="fr-FR" smtClean="0"/>
               <a:t>‹N°›</a:t>
             </a:fld>
-            <a:endParaRPr lang="fr-FR"/>
+            <a:endParaRPr lang="fr-FR" dirty="0"/>
           </a:p>
         </p:txBody>
       </p:sp>
@@ -1735,9 +1735,9 @@
           <a:p>
             <a:fld id="{8BF0BAE9-8C66-4376-AC32-D03E2F3D111C}" type="datetimeFigureOut">
               <a:rPr lang="fr-FR" smtClean="0"/>
-              <a:t>27/10/2022</a:t>
+              <a:t>09/11/2022</a:t>
             </a:fld>
-            <a:endParaRPr lang="fr-FR"/>
+            <a:endParaRPr lang="fr-FR" dirty="0"/>
           </a:p>
         </p:txBody>
       </p:sp>
@@ -1756,7 +1756,7 @@
           <a:bodyPr/>
           <a:lstStyle/>
           <a:p>
-            <a:endParaRPr lang="fr-FR"/>
+            <a:endParaRPr lang="fr-FR" dirty="0"/>
           </a:p>
         </p:txBody>
       </p:sp>
@@ -1779,7 +1779,7 @@
               <a:rPr lang="fr-FR" smtClean="0"/>
               <a:t>‹N°›</a:t>
             </a:fld>
-            <a:endParaRPr lang="fr-FR"/>
+            <a:endParaRPr lang="fr-FR" dirty="0"/>
           </a:p>
         </p:txBody>
       </p:sp>
@@ -1830,9 +1830,9 @@
           <a:p>
             <a:fld id="{8BF0BAE9-8C66-4376-AC32-D03E2F3D111C}" type="datetimeFigureOut">
               <a:rPr lang="fr-FR" smtClean="0"/>
-              <a:t>27/10/2022</a:t>
+              <a:t>09/11/2022</a:t>
             </a:fld>
-            <a:endParaRPr lang="fr-FR"/>
+            <a:endParaRPr lang="fr-FR" dirty="0"/>
           </a:p>
         </p:txBody>
       </p:sp>
@@ -1851,7 +1851,7 @@
           <a:bodyPr/>
           <a:lstStyle/>
           <a:p>
-            <a:endParaRPr lang="fr-FR"/>
+            <a:endParaRPr lang="fr-FR" dirty="0"/>
           </a:p>
         </p:txBody>
       </p:sp>
@@ -1874,7 +1874,7 @@
               <a:rPr lang="fr-FR" smtClean="0"/>
               <a:t>‹N°›</a:t>
             </a:fld>
-            <a:endParaRPr lang="fr-FR"/>
+            <a:endParaRPr lang="fr-FR" dirty="0"/>
           </a:p>
         </p:txBody>
       </p:sp>
@@ -2107,9 +2107,9 @@
           <a:p>
             <a:fld id="{8BF0BAE9-8C66-4376-AC32-D03E2F3D111C}" type="datetimeFigureOut">
               <a:rPr lang="fr-FR" smtClean="0"/>
-              <a:t>27/10/2022</a:t>
+              <a:t>09/11/2022</a:t>
             </a:fld>
-            <a:endParaRPr lang="fr-FR"/>
+            <a:endParaRPr lang="fr-FR" dirty="0"/>
           </a:p>
         </p:txBody>
       </p:sp>
@@ -2128,7 +2128,7 @@
           <a:bodyPr/>
           <a:lstStyle/>
           <a:p>
-            <a:endParaRPr lang="fr-FR"/>
+            <a:endParaRPr lang="fr-FR" dirty="0"/>
           </a:p>
         </p:txBody>
       </p:sp>
@@ -2151,7 +2151,7 @@
               <a:rPr lang="fr-FR" smtClean="0"/>
               <a:t>‹N°›</a:t>
             </a:fld>
-            <a:endParaRPr lang="fr-FR"/>
+            <a:endParaRPr lang="fr-FR" dirty="0"/>
           </a:p>
         </p:txBody>
       </p:sp>
@@ -2275,7 +2275,7 @@
           </a:lstStyle>
           <a:p>
             <a:r>
-              <a:rPr lang="fr-FR" smtClean="0"/>
+              <a:rPr lang="fr-FR" dirty="0" smtClean="0"/>
               <a:t>Cliquez sur l'icône pour ajouter une image</a:t>
             </a:r>
             <a:endParaRPr lang="en-US" dirty="0"/>
@@ -2364,9 +2364,9 @@
           <a:p>
             <a:fld id="{8BF0BAE9-8C66-4376-AC32-D03E2F3D111C}" type="datetimeFigureOut">
               <a:rPr lang="fr-FR" smtClean="0"/>
-              <a:t>27/10/2022</a:t>
+              <a:t>09/11/2022</a:t>
             </a:fld>
-            <a:endParaRPr lang="fr-FR"/>
+            <a:endParaRPr lang="fr-FR" dirty="0"/>
           </a:p>
         </p:txBody>
       </p:sp>
@@ -2385,7 +2385,7 @@
           <a:bodyPr/>
           <a:lstStyle/>
           <a:p>
-            <a:endParaRPr lang="fr-FR"/>
+            <a:endParaRPr lang="fr-FR" dirty="0"/>
           </a:p>
         </p:txBody>
       </p:sp>
@@ -2408,7 +2408,7 @@
               <a:rPr lang="fr-FR" smtClean="0"/>
               <a:t>‹N°›</a:t>
             </a:fld>
-            <a:endParaRPr lang="fr-FR"/>
+            <a:endParaRPr lang="fr-FR" dirty="0"/>
           </a:p>
         </p:txBody>
       </p:sp>
@@ -2577,9 +2577,9 @@
           <a:p>
             <a:fld id="{8BF0BAE9-8C66-4376-AC32-D03E2F3D111C}" type="datetimeFigureOut">
               <a:rPr lang="fr-FR" smtClean="0"/>
-              <a:t>27/10/2022</a:t>
+              <a:t>09/11/2022</a:t>
             </a:fld>
-            <a:endParaRPr lang="fr-FR"/>
+            <a:endParaRPr lang="fr-FR" dirty="0"/>
           </a:p>
         </p:txBody>
       </p:sp>
@@ -2616,7 +2616,7 @@
             </a:lvl1pPr>
           </a:lstStyle>
           <a:p>
-            <a:endParaRPr lang="fr-FR"/>
+            <a:endParaRPr lang="fr-FR" dirty="0"/>
           </a:p>
         </p:txBody>
       </p:sp>
@@ -2657,7 +2657,7 @@
               <a:rPr lang="fr-FR" smtClean="0"/>
               <a:t>‹N°›</a:t>
             </a:fld>
-            <a:endParaRPr lang="fr-FR"/>
+            <a:endParaRPr lang="fr-FR" dirty="0"/>
           </a:p>
         </p:txBody>
       </p:sp>
@@ -3117,7 +3117,7 @@
               </a:spcAft>
             </a:pPr>
             <a:r>
-              <a:rPr lang="fr-FR" sz="1800" dirty="0" err="1">
+              <a:rPr lang="fr-FR" sz="1800" dirty="0">
                 <a:solidFill>
                   <a:schemeClr val="bg1"/>
                 </a:solidFill>
@@ -3219,7 +3219,27 @@
                 <a:latin typeface="Microsoft JhengHei" panose="020B0604030504040204" pitchFamily="34" charset="-120"/>
                 <a:ea typeface="Microsoft JhengHei" panose="020B0604030504040204" pitchFamily="34" charset="-120"/>
               </a:rPr>
-              <a:t>le tri, et </a:t>
+              <a:t>le </a:t>
+            </a:r>
+            <a:r>
+              <a:rPr lang="fr-FR" sz="1800" dirty="0" smtClean="0">
+                <a:solidFill>
+                  <a:schemeClr val="bg1"/>
+                </a:solidFill>
+                <a:latin typeface="Microsoft JhengHei" panose="020B0604030504040204" pitchFamily="34" charset="-120"/>
+                <a:ea typeface="Microsoft JhengHei" panose="020B0604030504040204" pitchFamily="34" charset="-120"/>
+              </a:rPr>
+              <a:t>tri </a:t>
+            </a:r>
+            <a:r>
+              <a:rPr lang="fr-FR" sz="1800" dirty="0">
+                <a:solidFill>
+                  <a:schemeClr val="bg1"/>
+                </a:solidFill>
+                <a:latin typeface="Microsoft JhengHei" panose="020B0604030504040204" pitchFamily="34" charset="-120"/>
+                <a:ea typeface="Microsoft JhengHei" panose="020B0604030504040204" pitchFamily="34" charset="-120"/>
+              </a:rPr>
+              <a:t>et </a:t>
             </a:r>
             <a:r>
               <a:rPr lang="fr-FR" sz="1800" dirty="0" smtClean="0">
@@ -3277,7 +3297,7 @@
           <p:cNvPr id="38" name="Brainstorm" descr="{&quot;Key&quot;:&quot;POWER_USER_SHAPE_ICON&quot;,&quot;Value&quot;:&quot;POWER_USER_SHAPE_ICON_STYLE_1&quot;}">
             <a:extLst>
               <a:ext uri="{FF2B5EF4-FFF2-40B4-BE49-F238E27FC236}">
-                <a16:creationId xmlns="" xmlns:a16="http://schemas.microsoft.com/office/drawing/2014/main" id="{89D5D32B-FB3B-4594-B702-3782DCA641D4}"/>
+                <a16:creationId xmlns:a16="http://schemas.microsoft.com/office/drawing/2014/main" xmlns="" id="{89D5D32B-FB3B-4594-B702-3782DCA641D4}"/>
               </a:ext>
             </a:extLst>
           </p:cNvPr>
@@ -3300,7 +3320,7 @@
             <p:cNvPr id="39" name="Freeform 2333">
               <a:extLst>
                 <a:ext uri="{FF2B5EF4-FFF2-40B4-BE49-F238E27FC236}">
-                  <a16:creationId xmlns="" xmlns:a16="http://schemas.microsoft.com/office/drawing/2014/main" id="{7C6C955F-593B-475E-A13D-B5498C237733}"/>
+                  <a16:creationId xmlns:a16="http://schemas.microsoft.com/office/drawing/2014/main" xmlns="" id="{7C6C955F-593B-475E-A13D-B5498C237733}"/>
                 </a:ext>
               </a:extLst>
             </p:cNvPr>
@@ -3415,7 +3435,7 @@
               <a:pPr defTabSz="914400">
                 <a:defRPr/>
               </a:pPr>
-              <a:endParaRPr lang="fr-FR" sz="1800">
+              <a:endParaRPr lang="fr-FR" sz="1800" dirty="0">
                 <a:solidFill>
                   <a:prstClr val="black"/>
                 </a:solidFill>
@@ -3429,7 +3449,7 @@
             <p:cNvPr id="40" name="Freeform 2352">
               <a:extLst>
                 <a:ext uri="{FF2B5EF4-FFF2-40B4-BE49-F238E27FC236}">
-                  <a16:creationId xmlns="" xmlns:a16="http://schemas.microsoft.com/office/drawing/2014/main" id="{FB6D45C8-DB2C-4A98-BE2B-71E01BA37514}"/>
+                  <a16:creationId xmlns:a16="http://schemas.microsoft.com/office/drawing/2014/main" xmlns="" id="{FB6D45C8-DB2C-4A98-BE2B-71E01BA37514}"/>
                 </a:ext>
               </a:extLst>
             </p:cNvPr>
@@ -3995,7 +4015,7 @@
               <a:pPr defTabSz="914400">
                 <a:defRPr/>
               </a:pPr>
-              <a:endParaRPr lang="fr-FR" sz="1800">
+              <a:endParaRPr lang="fr-FR" sz="1800" dirty="0">
                 <a:solidFill>
                   <a:prstClr val="black"/>
                 </a:solidFill>
@@ -4009,7 +4029,7 @@
             <p:cNvPr id="42" name="Freeform 2353">
               <a:extLst>
                 <a:ext uri="{FF2B5EF4-FFF2-40B4-BE49-F238E27FC236}">
-                  <a16:creationId xmlns="" xmlns:a16="http://schemas.microsoft.com/office/drawing/2014/main" id="{A5A1F9EE-4B58-4040-A1D3-3FDCA7BC0C26}"/>
+                  <a16:creationId xmlns:a16="http://schemas.microsoft.com/office/drawing/2014/main" xmlns="" id="{A5A1F9EE-4B58-4040-A1D3-3FDCA7BC0C26}"/>
                 </a:ext>
               </a:extLst>
             </p:cNvPr>
@@ -4176,7 +4196,7 @@
               <a:pPr defTabSz="914400">
                 <a:defRPr/>
               </a:pPr>
-              <a:endParaRPr lang="fr-FR" sz="1800">
+              <a:endParaRPr lang="fr-FR" sz="1800" dirty="0">
                 <a:solidFill>
                   <a:prstClr val="black"/>
                 </a:solidFill>
@@ -4190,7 +4210,7 @@
             <p:cNvPr id="43" name="Freeform 2354">
               <a:extLst>
                 <a:ext uri="{FF2B5EF4-FFF2-40B4-BE49-F238E27FC236}">
-                  <a16:creationId xmlns="" xmlns:a16="http://schemas.microsoft.com/office/drawing/2014/main" id="{6FADF354-A966-45CE-BA2D-FD07AA8F6A9A}"/>
+                  <a16:creationId xmlns:a16="http://schemas.microsoft.com/office/drawing/2014/main" xmlns="" id="{6FADF354-A966-45CE-BA2D-FD07AA8F6A9A}"/>
                 </a:ext>
               </a:extLst>
             </p:cNvPr>
@@ -4297,7 +4317,7 @@
               <a:pPr defTabSz="914400">
                 <a:defRPr/>
               </a:pPr>
-              <a:endParaRPr lang="fr-FR" sz="1800">
+              <a:endParaRPr lang="fr-FR" sz="1800" dirty="0">
                 <a:solidFill>
                   <a:prstClr val="black"/>
                 </a:solidFill>
@@ -4311,7 +4331,7 @@
             <p:cNvPr id="45" name="Freeform 2355">
               <a:extLst>
                 <a:ext uri="{FF2B5EF4-FFF2-40B4-BE49-F238E27FC236}">
-                  <a16:creationId xmlns="" xmlns:a16="http://schemas.microsoft.com/office/drawing/2014/main" id="{ABEA6006-904B-4138-8EA6-41EBBB6188A1}"/>
+                  <a16:creationId xmlns:a16="http://schemas.microsoft.com/office/drawing/2014/main" xmlns="" id="{ABEA6006-904B-4138-8EA6-41EBBB6188A1}"/>
                 </a:ext>
               </a:extLst>
             </p:cNvPr>
@@ -4448,7 +4468,7 @@
               <a:pPr defTabSz="914400">
                 <a:defRPr/>
               </a:pPr>
-              <a:endParaRPr lang="fr-FR" sz="1800">
+              <a:endParaRPr lang="fr-FR" sz="1800" dirty="0">
                 <a:solidFill>
                   <a:prstClr val="black"/>
                 </a:solidFill>
@@ -4462,7 +4482,7 @@
             <p:cNvPr id="46" name="Freeform 2356">
               <a:extLst>
                 <a:ext uri="{FF2B5EF4-FFF2-40B4-BE49-F238E27FC236}">
-                  <a16:creationId xmlns="" xmlns:a16="http://schemas.microsoft.com/office/drawing/2014/main" id="{2C2257DE-A7AA-4206-A7B9-58E4E0671041}"/>
+                  <a16:creationId xmlns:a16="http://schemas.microsoft.com/office/drawing/2014/main" xmlns="" id="{2C2257DE-A7AA-4206-A7B9-58E4E0671041}"/>
                 </a:ext>
               </a:extLst>
             </p:cNvPr>
@@ -4559,7 +4579,7 @@
               <a:pPr defTabSz="914400">
                 <a:defRPr/>
               </a:pPr>
-              <a:endParaRPr lang="fr-FR" sz="1800">
+              <a:endParaRPr lang="fr-FR" sz="1800" dirty="0">
                 <a:solidFill>
                   <a:prstClr val="black"/>
                 </a:solidFill>
@@ -4573,7 +4593,7 @@
             <p:cNvPr id="48" name="Freeform 2357">
               <a:extLst>
                 <a:ext uri="{FF2B5EF4-FFF2-40B4-BE49-F238E27FC236}">
-                  <a16:creationId xmlns="" xmlns:a16="http://schemas.microsoft.com/office/drawing/2014/main" id="{45D1C878-E431-4E7C-A945-2E8698D7DADA}"/>
+                  <a16:creationId xmlns:a16="http://schemas.microsoft.com/office/drawing/2014/main" xmlns="" id="{45D1C878-E431-4E7C-A945-2E8698D7DADA}"/>
                 </a:ext>
               </a:extLst>
             </p:cNvPr>
@@ -4690,7 +4710,7 @@
               <a:pPr defTabSz="914400">
                 <a:defRPr/>
               </a:pPr>
-              <a:endParaRPr lang="fr-FR" sz="1800">
+              <a:endParaRPr lang="fr-FR" sz="1800" dirty="0">
                 <a:solidFill>
                   <a:prstClr val="black"/>
                 </a:solidFill>
@@ -4704,7 +4724,7 @@
             <p:cNvPr id="49" name="Freeform 2358">
               <a:extLst>
                 <a:ext uri="{FF2B5EF4-FFF2-40B4-BE49-F238E27FC236}">
-                  <a16:creationId xmlns="" xmlns:a16="http://schemas.microsoft.com/office/drawing/2014/main" id="{64049EAA-4164-4380-B1B8-539EEBDE801A}"/>
+                  <a16:creationId xmlns:a16="http://schemas.microsoft.com/office/drawing/2014/main" xmlns="" id="{64049EAA-4164-4380-B1B8-539EEBDE801A}"/>
                 </a:ext>
               </a:extLst>
             </p:cNvPr>
@@ -4871,7 +4891,7 @@
               <a:pPr defTabSz="914400">
                 <a:defRPr/>
               </a:pPr>
-              <a:endParaRPr lang="fr-FR" sz="1800">
+              <a:endParaRPr lang="fr-FR" sz="1800" dirty="0">
                 <a:solidFill>
                   <a:prstClr val="black"/>
                 </a:solidFill>
@@ -4885,7 +4905,7 @@
             <p:cNvPr id="52" name="Freeform 2359">
               <a:extLst>
                 <a:ext uri="{FF2B5EF4-FFF2-40B4-BE49-F238E27FC236}">
-                  <a16:creationId xmlns="" xmlns:a16="http://schemas.microsoft.com/office/drawing/2014/main" id="{EF4DE8CF-B5C0-41BC-8322-EA409911540A}"/>
+                  <a16:creationId xmlns:a16="http://schemas.microsoft.com/office/drawing/2014/main" xmlns="" id="{EF4DE8CF-B5C0-41BC-8322-EA409911540A}"/>
                 </a:ext>
               </a:extLst>
             </p:cNvPr>
@@ -5062,7 +5082,7 @@
               <a:pPr defTabSz="914400">
                 <a:defRPr/>
               </a:pPr>
-              <a:endParaRPr lang="fr-FR" sz="1800">
+              <a:endParaRPr lang="fr-FR" sz="1800" dirty="0">
                 <a:solidFill>
                   <a:prstClr val="black"/>
                 </a:solidFill>
@@ -5076,7 +5096,7 @@
             <p:cNvPr id="54" name="Team2" descr="{&quot;Key&quot;:&quot;POWER_USER_SHAPE_ICON&quot;,&quot;Value&quot;:&quot;POWER_USER_SHAPE_ICON_STYLE_1&quot;}">
               <a:extLst>
                 <a:ext uri="{FF2B5EF4-FFF2-40B4-BE49-F238E27FC236}">
-                  <a16:creationId xmlns="" xmlns:a16="http://schemas.microsoft.com/office/drawing/2014/main" id="{69146AD7-9678-476F-95AF-A785C58D2CB2}"/>
+                  <a16:creationId xmlns:a16="http://schemas.microsoft.com/office/drawing/2014/main" xmlns="" id="{69146AD7-9678-476F-95AF-A785C58D2CB2}"/>
                 </a:ext>
               </a:extLst>
             </p:cNvPr>
@@ -5103,7 +5123,7 @@
               <p:cNvPr id="57" name="Freeform 107">
                 <a:extLst>
                   <a:ext uri="{FF2B5EF4-FFF2-40B4-BE49-F238E27FC236}">
-                    <a16:creationId xmlns="" xmlns:a16="http://schemas.microsoft.com/office/drawing/2014/main" id="{EF94F97D-E4EB-4110-9FF2-0E3ECE485394}"/>
+                    <a16:creationId xmlns:a16="http://schemas.microsoft.com/office/drawing/2014/main" xmlns="" id="{EF94F97D-E4EB-4110-9FF2-0E3ECE485394}"/>
                   </a:ext>
                 </a:extLst>
               </p:cNvPr>
@@ -5248,7 +5268,7 @@
                 <a:pPr defTabSz="914400">
                   <a:defRPr/>
                 </a:pPr>
-                <a:endParaRPr lang="fr-FR" sz="1800">
+                <a:endParaRPr lang="fr-FR" sz="1800" dirty="0">
                   <a:solidFill>
                     <a:prstClr val="black"/>
                   </a:solidFill>
@@ -5262,7 +5282,7 @@
               <p:cNvPr id="60" name="Oval 108">
                 <a:extLst>
                   <a:ext uri="{FF2B5EF4-FFF2-40B4-BE49-F238E27FC236}">
-                    <a16:creationId xmlns="" xmlns:a16="http://schemas.microsoft.com/office/drawing/2014/main" id="{ABED82F6-6B06-4E39-83F7-354072016C54}"/>
+                    <a16:creationId xmlns:a16="http://schemas.microsoft.com/office/drawing/2014/main" xmlns="" id="{ABED82F6-6B06-4E39-83F7-354072016C54}"/>
                   </a:ext>
                 </a:extLst>
               </p:cNvPr>
@@ -5301,7 +5321,7 @@
                 <a:pPr defTabSz="914400">
                   <a:defRPr/>
                 </a:pPr>
-                <a:endParaRPr lang="fr-FR" sz="1800">
+                <a:endParaRPr lang="fr-FR" sz="1800" dirty="0">
                   <a:solidFill>
                     <a:prstClr val="black"/>
                   </a:solidFill>
@@ -5315,7 +5335,7 @@
               <p:cNvPr id="64" name="Freeform 109">
                 <a:extLst>
                   <a:ext uri="{FF2B5EF4-FFF2-40B4-BE49-F238E27FC236}">
-                    <a16:creationId xmlns="" xmlns:a16="http://schemas.microsoft.com/office/drawing/2014/main" id="{9CF6943A-8445-40B8-8710-23D22D9B6B53}"/>
+                    <a16:creationId xmlns:a16="http://schemas.microsoft.com/office/drawing/2014/main" xmlns="" id="{9CF6943A-8445-40B8-8710-23D22D9B6B53}"/>
                   </a:ext>
                 </a:extLst>
               </p:cNvPr>
@@ -5434,7 +5454,7 @@
                 <a:pPr defTabSz="914400">
                   <a:defRPr/>
                 </a:pPr>
-                <a:endParaRPr lang="fr-FR" sz="1800">
+                <a:endParaRPr lang="fr-FR" sz="1800" dirty="0">
                   <a:solidFill>
                     <a:prstClr val="black"/>
                   </a:solidFill>
@@ -5448,7 +5468,7 @@
               <p:cNvPr id="65" name="Freeform 110">
                 <a:extLst>
                   <a:ext uri="{FF2B5EF4-FFF2-40B4-BE49-F238E27FC236}">
-                    <a16:creationId xmlns="" xmlns:a16="http://schemas.microsoft.com/office/drawing/2014/main" id="{4DBD6464-B66F-4954-AA0B-D2D44BEFD253}"/>
+                    <a16:creationId xmlns:a16="http://schemas.microsoft.com/office/drawing/2014/main" xmlns="" id="{4DBD6464-B66F-4954-AA0B-D2D44BEFD253}"/>
                   </a:ext>
                 </a:extLst>
               </p:cNvPr>
@@ -5523,7 +5543,7 @@
                 <a:pPr defTabSz="914400">
                   <a:defRPr/>
                 </a:pPr>
-                <a:endParaRPr lang="fr-FR" sz="1800">
+                <a:endParaRPr lang="fr-FR" sz="1800" dirty="0">
                   <a:solidFill>
                     <a:prstClr val="black"/>
                   </a:solidFill>
@@ -5537,7 +5557,7 @@
               <p:cNvPr id="66" name="Freeform 111">
                 <a:extLst>
                   <a:ext uri="{FF2B5EF4-FFF2-40B4-BE49-F238E27FC236}">
-                    <a16:creationId xmlns="" xmlns:a16="http://schemas.microsoft.com/office/drawing/2014/main" id="{01355B3A-B6F8-4316-A762-487BAAE0E0DA}"/>
+                    <a16:creationId xmlns:a16="http://schemas.microsoft.com/office/drawing/2014/main" xmlns="" id="{01355B3A-B6F8-4316-A762-487BAAE0E0DA}"/>
                   </a:ext>
                 </a:extLst>
               </p:cNvPr>
@@ -5612,7 +5632,7 @@
                 <a:pPr defTabSz="914400">
                   <a:defRPr/>
                 </a:pPr>
-                <a:endParaRPr lang="fr-FR" sz="1800">
+                <a:endParaRPr lang="fr-FR" sz="1800" dirty="0">
                   <a:solidFill>
                     <a:prstClr val="black"/>
                   </a:solidFill>
@@ -5626,7 +5646,7 @@
               <p:cNvPr id="67" name="Oval 112">
                 <a:extLst>
                   <a:ext uri="{FF2B5EF4-FFF2-40B4-BE49-F238E27FC236}">
-                    <a16:creationId xmlns="" xmlns:a16="http://schemas.microsoft.com/office/drawing/2014/main" id="{D0A1C5CF-A3C8-4A5A-8B3B-A54843687C7A}"/>
+                    <a16:creationId xmlns:a16="http://schemas.microsoft.com/office/drawing/2014/main" xmlns="" id="{D0A1C5CF-A3C8-4A5A-8B3B-A54843687C7A}"/>
                   </a:ext>
                 </a:extLst>
               </p:cNvPr>
@@ -5665,7 +5685,7 @@
                 <a:pPr defTabSz="914400">
                   <a:defRPr/>
                 </a:pPr>
-                <a:endParaRPr lang="fr-FR" sz="1800">
+                <a:endParaRPr lang="fr-FR" sz="1800" dirty="0">
                   <a:solidFill>
                     <a:prstClr val="black"/>
                   </a:solidFill>
@@ -5679,7 +5699,7 @@
               <p:cNvPr id="68" name="Freeform 113">
                 <a:extLst>
                   <a:ext uri="{FF2B5EF4-FFF2-40B4-BE49-F238E27FC236}">
-                    <a16:creationId xmlns="" xmlns:a16="http://schemas.microsoft.com/office/drawing/2014/main" id="{E27C6629-EE60-4F61-BE12-DD35CDD2CBAE}"/>
+                    <a16:creationId xmlns:a16="http://schemas.microsoft.com/office/drawing/2014/main" xmlns="" id="{E27C6629-EE60-4F61-BE12-DD35CDD2CBAE}"/>
                   </a:ext>
                 </a:extLst>
               </p:cNvPr>
@@ -5798,7 +5818,7 @@
                 <a:pPr defTabSz="914400">
                   <a:defRPr/>
                 </a:pPr>
-                <a:endParaRPr lang="fr-FR" sz="1800">
+                <a:endParaRPr lang="fr-FR" sz="1800" dirty="0">
                   <a:solidFill>
                     <a:prstClr val="black"/>
                   </a:solidFill>
@@ -5812,7 +5832,7 @@
               <p:cNvPr id="69" name="Oval 114">
                 <a:extLst>
                   <a:ext uri="{FF2B5EF4-FFF2-40B4-BE49-F238E27FC236}">
-                    <a16:creationId xmlns="" xmlns:a16="http://schemas.microsoft.com/office/drawing/2014/main" id="{77A4CF3C-4CC2-4FC4-968E-117FE0495291}"/>
+                    <a16:creationId xmlns:a16="http://schemas.microsoft.com/office/drawing/2014/main" xmlns="" id="{77A4CF3C-4CC2-4FC4-968E-117FE0495291}"/>
                   </a:ext>
                 </a:extLst>
               </p:cNvPr>
@@ -5851,7 +5871,7 @@
                 <a:pPr defTabSz="914400">
                   <a:defRPr/>
                 </a:pPr>
-                <a:endParaRPr lang="fr-FR" sz="1800">
+                <a:endParaRPr lang="fr-FR" sz="1800" dirty="0">
                   <a:solidFill>
                     <a:prstClr val="black"/>
                   </a:solidFill>
@@ -5867,7 +5887,7 @@
           <p:cNvPr id="70" name="Search2" descr="{&quot;Key&quot;:&quot;POWER_USER_SHAPE_ICON&quot;,&quot;Value&quot;:&quot;POWER_USER_SHAPE_ICON_STYLE_1&quot;}">
             <a:extLst>
               <a:ext uri="{FF2B5EF4-FFF2-40B4-BE49-F238E27FC236}">
-                <a16:creationId xmlns="" xmlns:a16="http://schemas.microsoft.com/office/drawing/2014/main" id="{2E72C913-0061-4B04-B09B-54B07F5BF226}"/>
+                <a16:creationId xmlns:a16="http://schemas.microsoft.com/office/drawing/2014/main" xmlns="" id="{2E72C913-0061-4B04-B09B-54B07F5BF226}"/>
               </a:ext>
             </a:extLst>
           </p:cNvPr>
@@ -5892,7 +5912,7 @@
             <p:cNvPr id="71" name="Freeform 156">
               <a:extLst>
                 <a:ext uri="{FF2B5EF4-FFF2-40B4-BE49-F238E27FC236}">
-                  <a16:creationId xmlns="" xmlns:a16="http://schemas.microsoft.com/office/drawing/2014/main" id="{48C9CCDC-2799-4308-8130-65DA518F4FC3}"/>
+                  <a16:creationId xmlns:a16="http://schemas.microsoft.com/office/drawing/2014/main" xmlns="" id="{48C9CCDC-2799-4308-8130-65DA518F4FC3}"/>
                 </a:ext>
               </a:extLst>
             </p:cNvPr>
@@ -6310,7 +6330,7 @@
               <a:pPr defTabSz="914400">
                 <a:defRPr/>
               </a:pPr>
-              <a:endParaRPr lang="fr-FR" sz="1800">
+              <a:endParaRPr lang="fr-FR" sz="1800" dirty="0">
                 <a:solidFill>
                   <a:prstClr val="black"/>
                 </a:solidFill>
@@ -6324,7 +6344,7 @@
             <p:cNvPr id="72" name="Freeform 157">
               <a:extLst>
                 <a:ext uri="{FF2B5EF4-FFF2-40B4-BE49-F238E27FC236}">
-                  <a16:creationId xmlns="" xmlns:a16="http://schemas.microsoft.com/office/drawing/2014/main" id="{033A29B8-A508-43F2-9376-019150634DC0}"/>
+                  <a16:creationId xmlns:a16="http://schemas.microsoft.com/office/drawing/2014/main" xmlns="" id="{033A29B8-A508-43F2-9376-019150634DC0}"/>
                 </a:ext>
               </a:extLst>
             </p:cNvPr>
@@ -6671,7 +6691,7 @@
               <a:pPr defTabSz="914400">
                 <a:defRPr/>
               </a:pPr>
-              <a:endParaRPr lang="fr-FR" sz="1800">
+              <a:endParaRPr lang="fr-FR" sz="1800" dirty="0">
                 <a:solidFill>
                   <a:prstClr val="black"/>
                 </a:solidFill>
@@ -6685,7 +6705,7 @@
             <p:cNvPr id="73" name="Freeform 158">
               <a:extLst>
                 <a:ext uri="{FF2B5EF4-FFF2-40B4-BE49-F238E27FC236}">
-                  <a16:creationId xmlns="" xmlns:a16="http://schemas.microsoft.com/office/drawing/2014/main" id="{7B83FCFE-96A6-4AF3-9DE2-4F05EFBFF830}"/>
+                  <a16:creationId xmlns:a16="http://schemas.microsoft.com/office/drawing/2014/main" xmlns="" id="{7B83FCFE-96A6-4AF3-9DE2-4F05EFBFF830}"/>
                 </a:ext>
               </a:extLst>
             </p:cNvPr>
@@ -7129,7 +7149,7 @@
               <a:pPr defTabSz="914400">
                 <a:defRPr/>
               </a:pPr>
-              <a:endParaRPr lang="fr-FR" sz="1800">
+              <a:endParaRPr lang="fr-FR" sz="1800" dirty="0">
                 <a:solidFill>
                   <a:prstClr val="black"/>
                 </a:solidFill>
@@ -7144,7 +7164,7 @@
           <p:cNvPr id="79" name="Arrow21" descr="{&quot;Key&quot;:&quot;POWER_USER_SHAPE_ICON&quot;,&quot;Value&quot;:&quot;POWER_USER_SHAPE_ICON_STYLE_1&quot;}">
             <a:extLst>
               <a:ext uri="{FF2B5EF4-FFF2-40B4-BE49-F238E27FC236}">
-                <a16:creationId xmlns="" xmlns:a16="http://schemas.microsoft.com/office/drawing/2014/main" id="{820B38EE-63B5-452C-A544-43556364746A}"/>
+                <a16:creationId xmlns:a16="http://schemas.microsoft.com/office/drawing/2014/main" xmlns="" id="{820B38EE-63B5-452C-A544-43556364746A}"/>
               </a:ext>
             </a:extLst>
           </p:cNvPr>
@@ -7381,7 +7401,7 @@
           <p:cNvPr id="88" name="Arrow21" descr="{&quot;Key&quot;:&quot;POWER_USER_SHAPE_ICON&quot;,&quot;Value&quot;:&quot;POWER_USER_SHAPE_ICON_STYLE_1&quot;}">
             <a:extLst>
               <a:ext uri="{FF2B5EF4-FFF2-40B4-BE49-F238E27FC236}">
-                <a16:creationId xmlns="" xmlns:a16="http://schemas.microsoft.com/office/drawing/2014/main" id="{820B38EE-63B5-452C-A544-43556364746A}"/>
+                <a16:creationId xmlns:a16="http://schemas.microsoft.com/office/drawing/2014/main" xmlns="" id="{820B38EE-63B5-452C-A544-43556364746A}"/>
               </a:ext>
             </a:extLst>
           </p:cNvPr>
@@ -7618,7 +7638,7 @@
           <p:cNvPr id="100" name="Arrow21" descr="{&quot;Key&quot;:&quot;POWER_USER_SHAPE_ICON&quot;,&quot;Value&quot;:&quot;POWER_USER_SHAPE_ICON_STYLE_1&quot;}">
             <a:extLst>
               <a:ext uri="{FF2B5EF4-FFF2-40B4-BE49-F238E27FC236}">
-                <a16:creationId xmlns="" xmlns:a16="http://schemas.microsoft.com/office/drawing/2014/main" id="{820B38EE-63B5-452C-A544-43556364746A}"/>
+                <a16:creationId xmlns:a16="http://schemas.microsoft.com/office/drawing/2014/main" xmlns="" id="{820B38EE-63B5-452C-A544-43556364746A}"/>
               </a:ext>
             </a:extLst>
           </p:cNvPr>
@@ -7855,7 +7875,7 @@
           <p:cNvPr id="102" name="Arrow21" descr="{&quot;Key&quot;:&quot;POWER_USER_SHAPE_ICON&quot;,&quot;Value&quot;:&quot;POWER_USER_SHAPE_ICON_STYLE_1&quot;}">
             <a:extLst>
               <a:ext uri="{FF2B5EF4-FFF2-40B4-BE49-F238E27FC236}">
-                <a16:creationId xmlns="" xmlns:a16="http://schemas.microsoft.com/office/drawing/2014/main" id="{820B38EE-63B5-452C-A544-43556364746A}"/>
+                <a16:creationId xmlns:a16="http://schemas.microsoft.com/office/drawing/2014/main" xmlns="" id="{820B38EE-63B5-452C-A544-43556364746A}"/>
               </a:ext>
             </a:extLst>
           </p:cNvPr>
@@ -8093,7 +8113,7 @@
           <p:cNvPr id="133" name="Big_data2" descr="{&quot;Key&quot;:&quot;POWER_USER_SHAPE_ICON&quot;,&quot;Value&quot;:&quot;POWER_USER_SHAPE_ICON_STYLE_1&quot;}">
             <a:extLst>
               <a:ext uri="{FF2B5EF4-FFF2-40B4-BE49-F238E27FC236}">
-                <a16:creationId xmlns="" xmlns:a16="http://schemas.microsoft.com/office/drawing/2014/main" id="{2580CD18-6FB6-489A-99E3-654447F2DB5E}"/>
+                <a16:creationId xmlns:a16="http://schemas.microsoft.com/office/drawing/2014/main" xmlns="" id="{2580CD18-6FB6-489A-99E3-654447F2DB5E}"/>
               </a:ext>
             </a:extLst>
           </p:cNvPr>
@@ -8116,7 +8136,7 @@
             <p:cNvPr id="134" name="Freeform 98">
               <a:extLst>
                 <a:ext uri="{FF2B5EF4-FFF2-40B4-BE49-F238E27FC236}">
-                  <a16:creationId xmlns="" xmlns:a16="http://schemas.microsoft.com/office/drawing/2014/main" id="{0920A734-0A45-40CD-BC0D-1C92BC4F274D}"/>
+                  <a16:creationId xmlns:a16="http://schemas.microsoft.com/office/drawing/2014/main" xmlns="" id="{0920A734-0A45-40CD-BC0D-1C92BC4F274D}"/>
                 </a:ext>
               </a:extLst>
             </p:cNvPr>
@@ -8259,7 +8279,7 @@
                 <a:tabLst/>
                 <a:defRPr/>
               </a:pPr>
-              <a:endParaRPr kumimoji="0" lang="fr-FR" sz="1800" b="0" i="0" u="none" strike="noStrike" kern="1200" cap="none" spc="0" normalizeH="0" baseline="0" noProof="0">
+              <a:endParaRPr kumimoji="0" lang="fr-FR" sz="1800" b="0" i="0" u="none" strike="noStrike" kern="1200" cap="none" spc="0" normalizeH="0" baseline="0" noProof="0" dirty="0">
                 <a:ln>
                   <a:noFill/>
                 </a:ln>
@@ -8281,7 +8301,7 @@
             <p:cNvPr id="135" name="Oval 99">
               <a:extLst>
                 <a:ext uri="{FF2B5EF4-FFF2-40B4-BE49-F238E27FC236}">
-                  <a16:creationId xmlns="" xmlns:a16="http://schemas.microsoft.com/office/drawing/2014/main" id="{70EA5B49-854F-47DE-8C37-60DA8EA70214}"/>
+                  <a16:creationId xmlns:a16="http://schemas.microsoft.com/office/drawing/2014/main" xmlns="" id="{70EA5B49-854F-47DE-8C37-60DA8EA70214}"/>
                 </a:ext>
               </a:extLst>
             </p:cNvPr>
@@ -8333,7 +8353,7 @@
                 <a:tabLst/>
                 <a:defRPr/>
               </a:pPr>
-              <a:endParaRPr kumimoji="0" lang="fr-FR" sz="1800" b="0" i="0" u="none" strike="noStrike" kern="1200" cap="none" spc="0" normalizeH="0" baseline="0" noProof="0">
+              <a:endParaRPr kumimoji="0" lang="fr-FR" sz="1800" b="0" i="0" u="none" strike="noStrike" kern="1200" cap="none" spc="0" normalizeH="0" baseline="0" noProof="0" dirty="0">
                 <a:ln>
                   <a:noFill/>
                 </a:ln>
@@ -8355,7 +8375,7 @@
             <p:cNvPr id="136" name="Freeform 100">
               <a:extLst>
                 <a:ext uri="{FF2B5EF4-FFF2-40B4-BE49-F238E27FC236}">
-                  <a16:creationId xmlns="" xmlns:a16="http://schemas.microsoft.com/office/drawing/2014/main" id="{59FA8962-1597-4CD8-9D78-F38E836013E0}"/>
+                  <a16:creationId xmlns:a16="http://schemas.microsoft.com/office/drawing/2014/main" xmlns="" id="{59FA8962-1597-4CD8-9D78-F38E836013E0}"/>
                 </a:ext>
               </a:extLst>
             </p:cNvPr>
@@ -8521,7 +8541,7 @@
                 <a:tabLst/>
                 <a:defRPr/>
               </a:pPr>
-              <a:endParaRPr kumimoji="0" lang="fr-FR" sz="1800" b="0" i="0" u="none" strike="noStrike" kern="1200" cap="none" spc="0" normalizeH="0" baseline="0" noProof="0">
+              <a:endParaRPr kumimoji="0" lang="fr-FR" sz="1800" b="0" i="0" u="none" strike="noStrike" kern="1200" cap="none" spc="0" normalizeH="0" baseline="0" noProof="0" dirty="0">
                 <a:ln>
                   <a:noFill/>
                 </a:ln>
@@ -8543,7 +8563,7 @@
             <p:cNvPr id="137" name="Freeform 101">
               <a:extLst>
                 <a:ext uri="{FF2B5EF4-FFF2-40B4-BE49-F238E27FC236}">
-                  <a16:creationId xmlns="" xmlns:a16="http://schemas.microsoft.com/office/drawing/2014/main" id="{9A4B2AAC-0B67-4E9C-A6A0-42B5F2195BAE}"/>
+                  <a16:creationId xmlns:a16="http://schemas.microsoft.com/office/drawing/2014/main" xmlns="" id="{9A4B2AAC-0B67-4E9C-A6A0-42B5F2195BAE}"/>
                 </a:ext>
               </a:extLst>
             </p:cNvPr>
@@ -8670,7 +8690,7 @@
                 <a:tabLst/>
                 <a:defRPr/>
               </a:pPr>
-              <a:endParaRPr kumimoji="0" lang="fr-FR" sz="1800" b="0" i="0" u="none" strike="noStrike" kern="1200" cap="none" spc="0" normalizeH="0" baseline="0" noProof="0">
+              <a:endParaRPr kumimoji="0" lang="fr-FR" sz="1800" b="0" i="0" u="none" strike="noStrike" kern="1200" cap="none" spc="0" normalizeH="0" baseline="0" noProof="0" dirty="0">
                 <a:ln>
                   <a:noFill/>
                 </a:ln>
@@ -8692,7 +8712,7 @@
             <p:cNvPr id="138" name="Rectangle 102">
               <a:extLst>
                 <a:ext uri="{FF2B5EF4-FFF2-40B4-BE49-F238E27FC236}">
-                  <a16:creationId xmlns="" xmlns:a16="http://schemas.microsoft.com/office/drawing/2014/main" id="{E0861EB9-85E6-4F16-91A8-EEFE1F3113D7}"/>
+                  <a16:creationId xmlns:a16="http://schemas.microsoft.com/office/drawing/2014/main" xmlns="" id="{E0861EB9-85E6-4F16-91A8-EEFE1F3113D7}"/>
                 </a:ext>
               </a:extLst>
             </p:cNvPr>
@@ -8744,7 +8764,7 @@
                 <a:tabLst/>
                 <a:defRPr/>
               </a:pPr>
-              <a:endParaRPr kumimoji="0" lang="fr-FR" sz="1800" b="0" i="0" u="none" strike="noStrike" kern="1200" cap="none" spc="0" normalizeH="0" baseline="0" noProof="0">
+              <a:endParaRPr kumimoji="0" lang="fr-FR" sz="1800" b="0" i="0" u="none" strike="noStrike" kern="1200" cap="none" spc="0" normalizeH="0" baseline="0" noProof="0" dirty="0">
                 <a:ln>
                   <a:noFill/>
                 </a:ln>
@@ -8766,7 +8786,7 @@
             <p:cNvPr id="139" name="Freeform 103">
               <a:extLst>
                 <a:ext uri="{FF2B5EF4-FFF2-40B4-BE49-F238E27FC236}">
-                  <a16:creationId xmlns="" xmlns:a16="http://schemas.microsoft.com/office/drawing/2014/main" id="{281D35EB-D9C2-4328-8387-A83FA059D15B}"/>
+                  <a16:creationId xmlns:a16="http://schemas.microsoft.com/office/drawing/2014/main" xmlns="" id="{281D35EB-D9C2-4328-8387-A83FA059D15B}"/>
                 </a:ext>
               </a:extLst>
             </p:cNvPr>
@@ -8926,7 +8946,7 @@
                 <a:tabLst/>
                 <a:defRPr/>
               </a:pPr>
-              <a:endParaRPr kumimoji="0" lang="fr-FR" sz="1800" b="0" i="0" u="none" strike="noStrike" kern="1200" cap="none" spc="0" normalizeH="0" baseline="0" noProof="0">
+              <a:endParaRPr kumimoji="0" lang="fr-FR" sz="1800" b="0" i="0" u="none" strike="noStrike" kern="1200" cap="none" spc="0" normalizeH="0" baseline="0" noProof="0" dirty="0">
                 <a:ln>
                   <a:noFill/>
                 </a:ln>
@@ -8948,7 +8968,7 @@
             <p:cNvPr id="140" name="Freeform 104">
               <a:extLst>
                 <a:ext uri="{FF2B5EF4-FFF2-40B4-BE49-F238E27FC236}">
-                  <a16:creationId xmlns="" xmlns:a16="http://schemas.microsoft.com/office/drawing/2014/main" id="{647E2488-6226-4ACC-A8BC-F6159BEE2A03}"/>
+                  <a16:creationId xmlns:a16="http://schemas.microsoft.com/office/drawing/2014/main" xmlns="" id="{647E2488-6226-4ACC-A8BC-F6159BEE2A03}"/>
                 </a:ext>
               </a:extLst>
             </p:cNvPr>
@@ -9075,7 +9095,7 @@
                 <a:tabLst/>
                 <a:defRPr/>
               </a:pPr>
-              <a:endParaRPr kumimoji="0" lang="fr-FR" sz="1800" b="0" i="0" u="none" strike="noStrike" kern="1200" cap="none" spc="0" normalizeH="0" baseline="0" noProof="0">
+              <a:endParaRPr kumimoji="0" lang="fr-FR" sz="1800" b="0" i="0" u="none" strike="noStrike" kern="1200" cap="none" spc="0" normalizeH="0" baseline="0" noProof="0" dirty="0">
                 <a:ln>
                   <a:noFill/>
                 </a:ln>
@@ -9097,7 +9117,7 @@
             <p:cNvPr id="141" name="Freeform 105">
               <a:extLst>
                 <a:ext uri="{FF2B5EF4-FFF2-40B4-BE49-F238E27FC236}">
-                  <a16:creationId xmlns="" xmlns:a16="http://schemas.microsoft.com/office/drawing/2014/main" id="{26EECF92-F24F-447F-9E4E-C26C31F62113}"/>
+                  <a16:creationId xmlns:a16="http://schemas.microsoft.com/office/drawing/2014/main" xmlns="" id="{26EECF92-F24F-447F-9E4E-C26C31F62113}"/>
                 </a:ext>
               </a:extLst>
             </p:cNvPr>
@@ -9224,7 +9244,7 @@
                 <a:tabLst/>
                 <a:defRPr/>
               </a:pPr>
-              <a:endParaRPr kumimoji="0" lang="fr-FR" sz="1800" b="0" i="0" u="none" strike="noStrike" kern="1200" cap="none" spc="0" normalizeH="0" baseline="0" noProof="0">
+              <a:endParaRPr kumimoji="0" lang="fr-FR" sz="1800" b="0" i="0" u="none" strike="noStrike" kern="1200" cap="none" spc="0" normalizeH="0" baseline="0" noProof="0" dirty="0">
                 <a:ln>
                   <a:noFill/>
                 </a:ln>
@@ -9246,7 +9266,7 @@
             <p:cNvPr id="142" name="Freeform 106">
               <a:extLst>
                 <a:ext uri="{FF2B5EF4-FFF2-40B4-BE49-F238E27FC236}">
-                  <a16:creationId xmlns="" xmlns:a16="http://schemas.microsoft.com/office/drawing/2014/main" id="{7DFDBB28-361A-44E3-97D7-00F2733C3333}"/>
+                  <a16:creationId xmlns:a16="http://schemas.microsoft.com/office/drawing/2014/main" xmlns="" id="{7DFDBB28-361A-44E3-97D7-00F2733C3333}"/>
                 </a:ext>
               </a:extLst>
             </p:cNvPr>
@@ -9373,7 +9393,7 @@
                 <a:tabLst/>
                 <a:defRPr/>
               </a:pPr>
-              <a:endParaRPr kumimoji="0" lang="fr-FR" sz="1800" b="0" i="0" u="none" strike="noStrike" kern="1200" cap="none" spc="0" normalizeH="0" baseline="0" noProof="0">
+              <a:endParaRPr kumimoji="0" lang="fr-FR" sz="1800" b="0" i="0" u="none" strike="noStrike" kern="1200" cap="none" spc="0" normalizeH="0" baseline="0" noProof="0" dirty="0">
                 <a:ln>
                   <a:noFill/>
                 </a:ln>
@@ -9395,7 +9415,7 @@
             <p:cNvPr id="143" name="Rectangle 107">
               <a:extLst>
                 <a:ext uri="{FF2B5EF4-FFF2-40B4-BE49-F238E27FC236}">
-                  <a16:creationId xmlns="" xmlns:a16="http://schemas.microsoft.com/office/drawing/2014/main" id="{41563866-ECA6-4925-9467-F1A9C2A88C14}"/>
+                  <a16:creationId xmlns:a16="http://schemas.microsoft.com/office/drawing/2014/main" xmlns="" id="{41563866-ECA6-4925-9467-F1A9C2A88C14}"/>
                 </a:ext>
               </a:extLst>
             </p:cNvPr>
@@ -9447,7 +9467,7 @@
                 <a:tabLst/>
                 <a:defRPr/>
               </a:pPr>
-              <a:endParaRPr kumimoji="0" lang="fr-FR" sz="1800" b="0" i="0" u="none" strike="noStrike" kern="1200" cap="none" spc="0" normalizeH="0" baseline="0" noProof="0">
+              <a:endParaRPr kumimoji="0" lang="fr-FR" sz="1800" b="0" i="0" u="none" strike="noStrike" kern="1200" cap="none" spc="0" normalizeH="0" baseline="0" noProof="0" dirty="0">
                 <a:ln>
                   <a:noFill/>
                 </a:ln>
@@ -9469,7 +9489,7 @@
             <p:cNvPr id="144" name="Rectangle 108">
               <a:extLst>
                 <a:ext uri="{FF2B5EF4-FFF2-40B4-BE49-F238E27FC236}">
-                  <a16:creationId xmlns="" xmlns:a16="http://schemas.microsoft.com/office/drawing/2014/main" id="{07F3FF97-78B5-4168-A65E-34438D84011F}"/>
+                  <a16:creationId xmlns:a16="http://schemas.microsoft.com/office/drawing/2014/main" xmlns="" id="{07F3FF97-78B5-4168-A65E-34438D84011F}"/>
                 </a:ext>
               </a:extLst>
             </p:cNvPr>
@@ -9521,7 +9541,7 @@
                 <a:tabLst/>
                 <a:defRPr/>
               </a:pPr>
-              <a:endParaRPr kumimoji="0" lang="fr-FR" sz="1800" b="0" i="0" u="none" strike="noStrike" kern="1200" cap="none" spc="0" normalizeH="0" baseline="0" noProof="0">
+              <a:endParaRPr kumimoji="0" lang="fr-FR" sz="1800" b="0" i="0" u="none" strike="noStrike" kern="1200" cap="none" spc="0" normalizeH="0" baseline="0" noProof="0" dirty="0">
                 <a:ln>
                   <a:noFill/>
                 </a:ln>
@@ -9543,7 +9563,7 @@
             <p:cNvPr id="145" name="Rectangle 109">
               <a:extLst>
                 <a:ext uri="{FF2B5EF4-FFF2-40B4-BE49-F238E27FC236}">
-                  <a16:creationId xmlns="" xmlns:a16="http://schemas.microsoft.com/office/drawing/2014/main" id="{E2E815E6-DD87-424B-8DF5-40D86E8A5942}"/>
+                  <a16:creationId xmlns:a16="http://schemas.microsoft.com/office/drawing/2014/main" xmlns="" id="{E2E815E6-DD87-424B-8DF5-40D86E8A5942}"/>
                 </a:ext>
               </a:extLst>
             </p:cNvPr>
@@ -9595,7 +9615,7 @@
                 <a:tabLst/>
                 <a:defRPr/>
               </a:pPr>
-              <a:endParaRPr kumimoji="0" lang="fr-FR" sz="1800" b="0" i="0" u="none" strike="noStrike" kern="1200" cap="none" spc="0" normalizeH="0" baseline="0" noProof="0">
+              <a:endParaRPr kumimoji="0" lang="fr-FR" sz="1800" b="0" i="0" u="none" strike="noStrike" kern="1200" cap="none" spc="0" normalizeH="0" baseline="0" noProof="0" dirty="0">
                 <a:ln>
                   <a:noFill/>
                 </a:ln>
@@ -9617,7 +9637,7 @@
             <p:cNvPr id="146" name="Rectangle 110">
               <a:extLst>
                 <a:ext uri="{FF2B5EF4-FFF2-40B4-BE49-F238E27FC236}">
-                  <a16:creationId xmlns="" xmlns:a16="http://schemas.microsoft.com/office/drawing/2014/main" id="{D6692D9B-161D-4D71-85E0-8E02FA263131}"/>
+                  <a16:creationId xmlns:a16="http://schemas.microsoft.com/office/drawing/2014/main" xmlns="" id="{D6692D9B-161D-4D71-85E0-8E02FA263131}"/>
                 </a:ext>
               </a:extLst>
             </p:cNvPr>
@@ -9669,7 +9689,7 @@
                 <a:tabLst/>
                 <a:defRPr/>
               </a:pPr>
-              <a:endParaRPr kumimoji="0" lang="fr-FR" sz="1800" b="0" i="0" u="none" strike="noStrike" kern="1200" cap="none" spc="0" normalizeH="0" baseline="0" noProof="0">
+              <a:endParaRPr kumimoji="0" lang="fr-FR" sz="1800" b="0" i="0" u="none" strike="noStrike" kern="1200" cap="none" spc="0" normalizeH="0" baseline="0" noProof="0" dirty="0">
                 <a:ln>
                   <a:noFill/>
                 </a:ln>
@@ -9691,7 +9711,7 @@
             <p:cNvPr id="147" name="Rectangle 111">
               <a:extLst>
                 <a:ext uri="{FF2B5EF4-FFF2-40B4-BE49-F238E27FC236}">
-                  <a16:creationId xmlns="" xmlns:a16="http://schemas.microsoft.com/office/drawing/2014/main" id="{C4B961EA-0F02-4668-8AA9-7E173680D967}"/>
+                  <a16:creationId xmlns:a16="http://schemas.microsoft.com/office/drawing/2014/main" xmlns="" id="{C4B961EA-0F02-4668-8AA9-7E173680D967}"/>
                 </a:ext>
               </a:extLst>
             </p:cNvPr>
@@ -9743,7 +9763,7 @@
                 <a:tabLst/>
                 <a:defRPr/>
               </a:pPr>
-              <a:endParaRPr kumimoji="0" lang="fr-FR" sz="1800" b="0" i="0" u="none" strike="noStrike" kern="1200" cap="none" spc="0" normalizeH="0" baseline="0" noProof="0">
+              <a:endParaRPr kumimoji="0" lang="fr-FR" sz="1800" b="0" i="0" u="none" strike="noStrike" kern="1200" cap="none" spc="0" normalizeH="0" baseline="0" noProof="0" dirty="0">
                 <a:ln>
                   <a:noFill/>
                 </a:ln>
@@ -9765,7 +9785,7 @@
             <p:cNvPr id="148" name="Freeform 112">
               <a:extLst>
                 <a:ext uri="{FF2B5EF4-FFF2-40B4-BE49-F238E27FC236}">
-                  <a16:creationId xmlns="" xmlns:a16="http://schemas.microsoft.com/office/drawing/2014/main" id="{27B75A2A-6D15-4EA6-9702-97249F6056E9}"/>
+                  <a16:creationId xmlns:a16="http://schemas.microsoft.com/office/drawing/2014/main" xmlns="" id="{27B75A2A-6D15-4EA6-9702-97249F6056E9}"/>
                 </a:ext>
               </a:extLst>
             </p:cNvPr>
@@ -9957,7 +9977,7 @@
                 <a:tabLst/>
                 <a:defRPr/>
               </a:pPr>
-              <a:endParaRPr kumimoji="0" lang="fr-FR" sz="1800" b="0" i="0" u="none" strike="noStrike" kern="1200" cap="none" spc="0" normalizeH="0" baseline="0" noProof="0">
+              <a:endParaRPr kumimoji="0" lang="fr-FR" sz="1800" b="0" i="0" u="none" strike="noStrike" kern="1200" cap="none" spc="0" normalizeH="0" baseline="0" noProof="0" dirty="0">
                 <a:ln>
                   <a:noFill/>
                 </a:ln>
@@ -9979,7 +9999,7 @@
             <p:cNvPr id="149" name="Rectangle 113">
               <a:extLst>
                 <a:ext uri="{FF2B5EF4-FFF2-40B4-BE49-F238E27FC236}">
-                  <a16:creationId xmlns="" xmlns:a16="http://schemas.microsoft.com/office/drawing/2014/main" id="{D4A27788-FD9D-45EA-AD72-88E1B928F661}"/>
+                  <a16:creationId xmlns:a16="http://schemas.microsoft.com/office/drawing/2014/main" xmlns="" id="{D4A27788-FD9D-45EA-AD72-88E1B928F661}"/>
                 </a:ext>
               </a:extLst>
             </p:cNvPr>
@@ -10031,7 +10051,7 @@
                 <a:tabLst/>
                 <a:defRPr/>
               </a:pPr>
-              <a:endParaRPr kumimoji="0" lang="fr-FR" sz="1800" b="0" i="0" u="none" strike="noStrike" kern="1200" cap="none" spc="0" normalizeH="0" baseline="0" noProof="0">
+              <a:endParaRPr kumimoji="0" lang="fr-FR" sz="1800" b="0" i="0" u="none" strike="noStrike" kern="1200" cap="none" spc="0" normalizeH="0" baseline="0" noProof="0" dirty="0">
                 <a:ln>
                   <a:noFill/>
                 </a:ln>
@@ -10053,7 +10073,7 @@
             <p:cNvPr id="150" name="Rectangle 114">
               <a:extLst>
                 <a:ext uri="{FF2B5EF4-FFF2-40B4-BE49-F238E27FC236}">
-                  <a16:creationId xmlns="" xmlns:a16="http://schemas.microsoft.com/office/drawing/2014/main" id="{58FEC560-30F1-4367-B4D6-E26C04C9A107}"/>
+                  <a16:creationId xmlns:a16="http://schemas.microsoft.com/office/drawing/2014/main" xmlns="" id="{58FEC560-30F1-4367-B4D6-E26C04C9A107}"/>
                 </a:ext>
               </a:extLst>
             </p:cNvPr>
@@ -10105,7 +10125,7 @@
                 <a:tabLst/>
                 <a:defRPr/>
               </a:pPr>
-              <a:endParaRPr kumimoji="0" lang="fr-FR" sz="1800" b="0" i="0" u="none" strike="noStrike" kern="1200" cap="none" spc="0" normalizeH="0" baseline="0" noProof="0">
+              <a:endParaRPr kumimoji="0" lang="fr-FR" sz="1800" b="0" i="0" u="none" strike="noStrike" kern="1200" cap="none" spc="0" normalizeH="0" baseline="0" noProof="0" dirty="0">
                 <a:ln>
                   <a:noFill/>
                 </a:ln>
@@ -10155,7 +10175,7 @@
               <a:t>Exporter les références au format .csv, .</a:t>
             </a:r>
             <a:r>
-              <a:rPr lang="fr-FR" sz="1800" dirty="0" err="1" smtClean="0">
+              <a:rPr lang="fr-FR" sz="1800" dirty="0" smtClean="0">
                 <a:solidFill>
                   <a:schemeClr val="bg1"/>
                 </a:solidFill>
@@ -10217,7 +10237,7 @@
           <a:lstStyle/>
           <a:p>
             <a:pPr algn="ctr"/>
-            <a:endParaRPr lang="fr-FR"/>
+            <a:endParaRPr lang="fr-FR" dirty="0"/>
           </a:p>
         </p:txBody>
       </p:sp>
